--- a/Präsentation/Final2017.pptx
+++ b/Präsentation/Final2017.pptx
@@ -19,9 +19,9 @@
     <p:sldId id="275" r:id="rId10"/>
     <p:sldId id="279" r:id="rId11"/>
     <p:sldId id="268" r:id="rId12"/>
-    <p:sldId id="269" r:id="rId13"/>
-    <p:sldId id="278" r:id="rId14"/>
-    <p:sldId id="283" r:id="rId15"/>
+    <p:sldId id="283" r:id="rId13"/>
+    <p:sldId id="269" r:id="rId14"/>
+    <p:sldId id="278" r:id="rId15"/>
     <p:sldId id="284" r:id="rId16"/>
     <p:sldId id="285" r:id="rId17"/>
     <p:sldId id="286" r:id="rId18"/>
@@ -511,11 +511,11 @@
         </c:dLbls>
         <c:marker val="1"/>
         <c:smooth val="0"/>
-        <c:axId val="5757952"/>
-        <c:axId val="35912320"/>
+        <c:axId val="36532608"/>
+        <c:axId val="36534528"/>
       </c:lineChart>
       <c:catAx>
-        <c:axId val="5757952"/>
+        <c:axId val="36532608"/>
         <c:scaling>
           <c:orientation val="minMax"/>
         </c:scaling>
@@ -543,7 +543,7 @@
         <c:majorTickMark val="out"/>
         <c:minorTickMark val="none"/>
         <c:tickLblPos val="nextTo"/>
-        <c:crossAx val="35912320"/>
+        <c:crossAx val="36534528"/>
         <c:crosses val="autoZero"/>
         <c:auto val="1"/>
         <c:lblAlgn val="ctr"/>
@@ -551,7 +551,7 @@
         <c:noMultiLvlLbl val="0"/>
       </c:catAx>
       <c:valAx>
-        <c:axId val="35912320"/>
+        <c:axId val="36534528"/>
         <c:scaling>
           <c:orientation val="minMax"/>
           <c:max val="1"/>
@@ -582,7 +582,7 @@
         <c:majorTickMark val="out"/>
         <c:minorTickMark val="none"/>
         <c:tickLblPos val="nextTo"/>
-        <c:crossAx val="5757952"/>
+        <c:crossAx val="36532608"/>
         <c:crosses val="autoZero"/>
         <c:crossBetween val="between"/>
         <c:majorUnit val="0.2"/>
@@ -695,7 +695,7 @@
           <a:p>
             <a:fld id="{897F9EFB-CD4C-8643-99E3-DEEF071B739B}" type="datetimeFigureOut">
               <a:rPr lang="de-DE" smtClean="0"/>
-              <a:t>18.06.2017</a:t>
+              <a:t>20.06.2017</a:t>
             </a:fld>
             <a:endParaRPr lang="de-DE"/>
           </a:p>
@@ -1008,7 +1008,13 @@
           <a:p>
             <a:r>
               <a:rPr lang="de-DE" baseline="0" dirty="0" smtClean="0"/>
-              <a:t>Hiermit begrüße ich Sie recht herzlich zur heutigen Vorstellung des Projekts „</a:t>
+              <a:t>Sascha:</a:t>
+            </a:r>
+          </a:p>
+          <a:p>
+            <a:r>
+              <a:rPr lang="de-DE" baseline="0" dirty="0" smtClean="0"/>
+              <a:t>Mit dieser Folie möchte ich Sie herzlich Willkommen heißen zu unserer heutigen Präsentation der Applikation </a:t>
             </a:r>
             <a:r>
               <a:rPr lang="de-DE" baseline="0" dirty="0" err="1" smtClean="0"/>
@@ -1016,15 +1022,22 @@
             </a:r>
             <a:r>
               <a:rPr lang="de-DE" baseline="0" dirty="0" smtClean="0"/>
-              <a:t>“</a:t>
+              <a:t>.</a:t>
             </a:r>
           </a:p>
           <a:p>
             <a:r>
               <a:rPr lang="de-DE" baseline="0" dirty="0" smtClean="0"/>
-              <a:t>Sascha</a:t>
-            </a:r>
-            <a:endParaRPr lang="de-DE" baseline="0" dirty="0" smtClean="0"/>
+              <a:t>Was ein Android Applikation beschreibt, die ein Foto einer aufgeschrieben Gleichung ausrechnen kann. Weitere Funktionen sind ein manueller Taschenrechner und eine </a:t>
+            </a:r>
+            <a:r>
+              <a:rPr lang="de-DE" baseline="0" dirty="0" err="1" smtClean="0"/>
+              <a:t>SQLite</a:t>
+            </a:r>
+            <a:r>
+              <a:rPr lang="de-DE" baseline="0" dirty="0" smtClean="0"/>
+              <a:t> DB. Genaueres folgt zu einem späteren Zeitpunkt. -&gt;TEAM</a:t>
+            </a:r>
           </a:p>
           <a:p>
             <a:endParaRPr lang="de-DE" baseline="0" dirty="0" smtClean="0"/>
@@ -1321,7 +1334,7 @@
     </p:spTree>
     <p:extLst>
       <p:ext uri="{BB962C8B-B14F-4D97-AF65-F5344CB8AC3E}">
-        <p14:creationId xmlns:p14="http://schemas.microsoft.com/office/powerpoint/2010/main" val="1781122611"/>
+        <p14:creationId xmlns:p14="http://schemas.microsoft.com/office/powerpoint/2010/main" val="3270980585"/>
       </p:ext>
     </p:extLst>
   </p:cSld>
@@ -1376,9 +1389,10 @@
           <a:lstStyle/>
           <a:p>
             <a:r>
-              <a:rPr lang="de-DE" dirty="0"/>
-              <a:t>Sascha</a:t>
-            </a:r>
+              <a:rPr lang="de-DE" dirty="0" smtClean="0"/>
+              <a:t>Tobi</a:t>
+            </a:r>
+            <a:endParaRPr lang="de-DE" dirty="0"/>
           </a:p>
         </p:txBody>
       </p:sp>
@@ -1408,7 +1422,7 @@
     </p:spTree>
     <p:extLst>
       <p:ext uri="{BB962C8B-B14F-4D97-AF65-F5344CB8AC3E}">
-        <p14:creationId xmlns:p14="http://schemas.microsoft.com/office/powerpoint/2010/main" val="1219005756"/>
+        <p14:creationId xmlns:p14="http://schemas.microsoft.com/office/powerpoint/2010/main" val="1781122611"/>
       </p:ext>
     </p:extLst>
   </p:cSld>
@@ -1464,7 +1478,25 @@
           <a:p>
             <a:r>
               <a:rPr lang="de-DE" dirty="0" smtClean="0"/>
-              <a:t>Tobi</a:t>
+              <a:t>Sascha:</a:t>
+            </a:r>
+          </a:p>
+          <a:p>
+            <a:r>
+              <a:rPr lang="de-DE" dirty="0" smtClean="0"/>
+              <a:t>Unsere Langzeitplanung haben wir mit Hilfe </a:t>
+            </a:r>
+            <a:r>
+              <a:rPr lang="de-DE" dirty="0" err="1" smtClean="0"/>
+              <a:t>Function</a:t>
+            </a:r>
+            <a:r>
+              <a:rPr lang="de-DE" dirty="0" smtClean="0"/>
+              <a:t> Points realisiert,</a:t>
+            </a:r>
+            <a:r>
+              <a:rPr lang="de-DE" baseline="0" dirty="0" smtClean="0"/>
+              <a:t> somit konnten wir aus schon abgearbeiteten Aufgaben eine Ausgleichsgerade erstellen. Die unsere durchschnittliche Zeit in Abhängigkeit der FP, die durch Komplexität und weitere Faktoren berechnet wurden, anzeigen. Somit können wir unsere Schätzzeit und wirklich verbrauchte Zeit vergleichen.</a:t>
             </a:r>
             <a:endParaRPr lang="de-DE" dirty="0"/>
           </a:p>
@@ -1496,7 +1528,7 @@
     </p:spTree>
     <p:extLst>
       <p:ext uri="{BB962C8B-B14F-4D97-AF65-F5344CB8AC3E}">
-        <p14:creationId xmlns:p14="http://schemas.microsoft.com/office/powerpoint/2010/main" val="3270980585"/>
+        <p14:creationId xmlns:p14="http://schemas.microsoft.com/office/powerpoint/2010/main" val="1219005756"/>
       </p:ext>
     </p:extLst>
   </p:cSld>
@@ -1740,7 +1772,49 @@
           <a:p>
             <a:r>
               <a:rPr lang="de-DE" dirty="0" smtClean="0"/>
-              <a:t>Sascha</a:t>
+              <a:t>Sascha:</a:t>
+            </a:r>
+          </a:p>
+          <a:p>
+            <a:r>
+              <a:rPr lang="de-DE" dirty="0" smtClean="0"/>
+              <a:t>Ein weiterer</a:t>
+            </a:r>
+            <a:r>
+              <a:rPr lang="de-DE" baseline="0" dirty="0" smtClean="0"/>
+              <a:t> Punkt ist die </a:t>
+            </a:r>
+            <a:r>
+              <a:rPr lang="de-DE" baseline="0" dirty="0" err="1" smtClean="0"/>
+              <a:t>Continuous</a:t>
+            </a:r>
+            <a:r>
+              <a:rPr lang="de-DE" baseline="0" dirty="0" smtClean="0"/>
+              <a:t> Integration mit automatischem </a:t>
+            </a:r>
+            <a:r>
+              <a:rPr lang="de-DE" baseline="0" dirty="0" err="1" smtClean="0"/>
+              <a:t>deployment</a:t>
+            </a:r>
+            <a:r>
+              <a:rPr lang="de-DE" baseline="0" dirty="0" smtClean="0"/>
+              <a:t>, doch leider können wir darauf nicht eingehen, da in unserem Fall die die Android App schon im Google Play Store zur Verfügung gestellt werden müsste. Jedoch verwenden wir Travis um unsere </a:t>
+            </a:r>
+            <a:r>
+              <a:rPr lang="de-DE" baseline="0" dirty="0" err="1" smtClean="0"/>
+              <a:t>Commits</a:t>
+            </a:r>
+            <a:r>
+              <a:rPr lang="de-DE" baseline="0" dirty="0" smtClean="0"/>
+              <a:t> und Tests automatisiert zu überprüfen. Travis </a:t>
+            </a:r>
+            <a:r>
+              <a:rPr lang="de-DE" baseline="0" dirty="0" err="1" smtClean="0"/>
+              <a:t>compiliert</a:t>
+            </a:r>
+            <a:r>
+              <a:rPr lang="de-DE" baseline="0" dirty="0" smtClean="0"/>
+              <a:t> die letzten gepushten Daten und für diese aus. Dieser Job zeigt an, ob alles in Ordnung ist oder ob beim durchlaufen ein Fehler aufgetreten ist.</a:t>
             </a:r>
             <a:endParaRPr lang="de-DE" dirty="0"/>
           </a:p>
@@ -1828,7 +1902,25 @@
           <a:p>
             <a:r>
               <a:rPr lang="de-DE" dirty="0" smtClean="0"/>
-              <a:t>Sascha</a:t>
+              <a:t>Sascha:</a:t>
+            </a:r>
+          </a:p>
+          <a:p>
+            <a:r>
+              <a:rPr lang="de-DE" dirty="0" smtClean="0"/>
+              <a:t>Natürlich</a:t>
+            </a:r>
+            <a:r>
+              <a:rPr lang="de-DE" baseline="0" dirty="0" smtClean="0"/>
+              <a:t> müssen wir auch unsere Risiken betrachten, dazu haben wir eine Excel-Liste geführt in der unsere Risiken aufgeführt sind. Zur Veranschaulichung haben wir uns gedacht, wir lassen ein Liniendiagramm daraus generieren, in dem Mann erkennen kann, dass ein Risiko leider aufgetreten ist, jedoch konnten wir dies nochmal beheben, durch TOBI. Deutlich wird dadurch das wir gegen Ende unsere Risiken durch Gegenmaßnahmen verringern </a:t>
+            </a:r>
+            <a:r>
+              <a:rPr lang="de-DE" baseline="0" dirty="0" err="1" smtClean="0"/>
+              <a:t>bzw</a:t>
+            </a:r>
+            <a:r>
+              <a:rPr lang="de-DE" baseline="0" dirty="0" smtClean="0"/>
+              <a:t> ganz verschwinden lassen konnten.-&gt; Live DEMO</a:t>
             </a:r>
             <a:endParaRPr lang="de-DE" dirty="0"/>
           </a:p>
@@ -2002,12 +2094,12 @@
           <a:lstStyle/>
           <a:p>
             <a:r>
-              <a:rPr lang="de-DE" dirty="0"/>
-              <a:t>Jeder</a:t>
-            </a:r>
-            <a:r>
-              <a:rPr lang="de-DE" baseline="0" dirty="0"/>
-              <a:t> selbst</a:t>
+              <a:rPr lang="de-DE" dirty="0" smtClean="0"/>
+              <a:t>Nun</a:t>
+            </a:r>
+            <a:r>
+              <a:rPr lang="de-DE" baseline="0" dirty="0" smtClean="0"/>
+              <a:t> möchte Ich Ihnen unser noch junges Team mit den jeweiligen Rollen vorstellen. Das Team besteht aus 3 Mitgliedern, darunter befindet sich meine Wenigkeit, mein Name ist Sascha Hug und ich meine Hauptrolle besteht darin dieses Projekt zu leiten. Kleinere Aufgaben im Entwicklungsbereich gehören auch zu meinem Arbeitsumfeld.</a:t>
             </a:r>
             <a:endParaRPr lang="de-DE" dirty="0"/>
           </a:p>
@@ -2094,21 +2186,26 @@
           <a:lstStyle/>
           <a:p>
             <a:r>
-              <a:rPr lang="de-DE" dirty="0"/>
-              <a:t>Sascha wir freuen uns auf eine </a:t>
-            </a:r>
-            <a:r>
-              <a:rPr lang="de-DE"/>
-              <a:t>gute </a:t>
-            </a:r>
-            <a:r>
-              <a:rPr lang="de-DE" smtClean="0"/>
-              <a:t>Zusammenarbeit</a:t>
-            </a:r>
-            <a:r>
-              <a:rPr lang="de-DE" baseline="0"/>
-              <a:t>.</a:t>
-            </a:r>
+              <a:rPr lang="de-DE" dirty="0" smtClean="0"/>
+              <a:t>Sascha:</a:t>
+            </a:r>
+          </a:p>
+          <a:p>
+            <a:r>
+              <a:rPr lang="de-DE" dirty="0" smtClean="0"/>
+              <a:t>Nun</a:t>
+            </a:r>
+            <a:r>
+              <a:rPr lang="de-DE" baseline="0" dirty="0" smtClean="0"/>
+              <a:t> sind wir beim Ende unserer Präsentation, an dieser Stelle möchte ich Ihnen für Ihre Aufmerksamkeit danken. Bei Rückfragen stehe ich Ihnen gerne zur Verfügung meine Mail-Adresse befindet sich auf dem Handout, auf eine gute Zusammenarbeit. </a:t>
+            </a:r>
+            <a:r>
+              <a:rPr lang="de-DE" baseline="0" smtClean="0"/>
+              <a:t>Vielen Dank.</a:t>
+            </a:r>
+            <a:endParaRPr lang="de-DE" dirty="0" smtClean="0"/>
+          </a:p>
+          <a:p>
             <a:endParaRPr lang="de-DE" dirty="0"/>
           </a:p>
         </p:txBody>
@@ -2194,9 +2291,24 @@
           <a:lstStyle/>
           <a:p>
             <a:r>
-              <a:rPr lang="de-DE" dirty="0"/>
-              <a:t>Sascha</a:t>
-            </a:r>
+              <a:rPr lang="de-DE" dirty="0" smtClean="0"/>
+              <a:t>Sascha:</a:t>
+            </a:r>
+          </a:p>
+          <a:p>
+            <a:r>
+              <a:rPr lang="de-DE" dirty="0" smtClean="0"/>
+              <a:t>W</a:t>
+            </a:r>
+            <a:r>
+              <a:rPr lang="de-DE" baseline="0" dirty="0" smtClean="0"/>
+              <a:t>as wir heute für Sie vorbereitet haben, sind die Punkte Vision, also welche Ziele wir mit diesem Projekt erreichen wollen, damit wir auf die Wünsche von Ihnen eingehen können und wie wir Sie in unsere Boot mitaufnehmen wollen</a:t>
+            </a:r>
+            <a:r>
+              <a:rPr lang="de-DE" baseline="0" dirty="0" smtClean="0"/>
+              <a:t>. Dann die Umsetzung, da wollen wir Ihnen vermitteln wie wir Arbeiten und zum Schluss eine Live-Demo unserer App. -&gt; Vision</a:t>
+            </a:r>
+            <a:endParaRPr lang="de-DE" dirty="0" smtClean="0"/>
           </a:p>
         </p:txBody>
       </p:sp>
@@ -2281,9 +2393,28 @@
           <a:lstStyle/>
           <a:p>
             <a:r>
-              <a:rPr lang="de-DE" dirty="0"/>
-              <a:t>Sascha</a:t>
-            </a:r>
+              <a:rPr lang="de-DE" dirty="0" smtClean="0"/>
+              <a:t>Sascha:</a:t>
+            </a:r>
+          </a:p>
+          <a:p>
+            <a:r>
+              <a:rPr lang="de-DE" dirty="0" smtClean="0"/>
+              <a:t>Die Ziele unserer</a:t>
+            </a:r>
+            <a:r>
+              <a:rPr lang="de-DE" baseline="0" dirty="0" smtClean="0"/>
+              <a:t> App ist das Lösen eines Mathematischen Terms durch ein gemachtes Bild, somit sollen lästige Rechenfehler vermieden werden. Man hat heute keine Zeit mehr lange Terme umzuformen und da jeder weis wie es gehen sollte, doch das eintippen in den Taschenrechner dann doch noch viel Zeit in Anspruch nimmt, wollen wir dies einfacher gestalten. Wir wollen eine einfache Lösung ohne großes Drumherum, deshalb Intuitiv. Smart und Kundenorientiert, da dieses Thema von einer Zielgruppe für die Zielgruppe </a:t>
+            </a:r>
+            <a:r>
+              <a:rPr lang="de-DE" baseline="0" dirty="0" smtClean="0"/>
+              <a:t>entworfen </a:t>
+            </a:r>
+            <a:r>
+              <a:rPr lang="de-DE" baseline="0" dirty="0" smtClean="0"/>
+              <a:t>wurde, können wir sehr gut auf unsere Kunden eingehen.</a:t>
+            </a:r>
+            <a:endParaRPr lang="de-DE" dirty="0"/>
           </a:p>
         </p:txBody>
       </p:sp>
@@ -3036,7 +3167,7 @@
           <a:p>
             <a:fld id="{5A2CD192-CCFE-498A-BE2F-E425758754FA}" type="datetime1">
               <a:rPr lang="en-US" smtClean="0"/>
-              <a:t>6/18/2017</a:t>
+              <a:t>6/20/2017</a:t>
             </a:fld>
             <a:endParaRPr lang="en-US" dirty="0"/>
           </a:p>
@@ -3479,7 +3610,7 @@
           <a:p>
             <a:fld id="{24EF0E39-D212-4479-B22E-A59C4D4432AB}" type="datetime1">
               <a:rPr lang="en-US" smtClean="0"/>
-              <a:t>6/18/2017</a:t>
+              <a:t>6/20/2017</a:t>
             </a:fld>
             <a:endParaRPr lang="en-US" dirty="0"/>
           </a:p>
@@ -3844,7 +3975,7 @@
           <a:p>
             <a:fld id="{6E130E3E-DB6A-4D1A-9282-FF5A2E94E842}" type="datetime1">
               <a:rPr lang="en-US" smtClean="0"/>
-              <a:t>6/18/2017</a:t>
+              <a:t>6/20/2017</a:t>
             </a:fld>
             <a:endParaRPr lang="en-US" dirty="0"/>
           </a:p>
@@ -4278,7 +4409,7 @@
           <a:p>
             <a:fld id="{71A2E02F-CE6B-464D-A73E-7C6D5D504340}" type="datetime1">
               <a:rPr lang="en-US" smtClean="0"/>
-              <a:t>6/18/2017</a:t>
+              <a:t>6/20/2017</a:t>
             </a:fld>
             <a:endParaRPr lang="en-US" dirty="0"/>
           </a:p>
@@ -4875,7 +5006,7 @@
           <a:p>
             <a:fld id="{E07A98BA-2D3F-4B60-956D-E0FA9727CBAE}" type="datetime1">
               <a:rPr lang="en-US" smtClean="0"/>
-              <a:t>6/18/2017</a:t>
+              <a:t>6/20/2017</a:t>
             </a:fld>
             <a:endParaRPr lang="en-US" dirty="0"/>
           </a:p>
@@ -5585,7 +5716,7 @@
           <a:p>
             <a:fld id="{A1F4E352-2AA6-426C-BCF7-5B7742A98EC8}" type="datetime1">
               <a:rPr lang="en-US" smtClean="0"/>
-              <a:t>6/18/2017</a:t>
+              <a:t>6/20/2017</a:t>
             </a:fld>
             <a:endParaRPr lang="en-US" dirty="0"/>
           </a:p>
@@ -6527,7 +6658,7 @@
           <a:p>
             <a:fld id="{D496627C-918E-4353-9993-1AC2D95A6C6C}" type="datetime1">
               <a:rPr lang="en-US" smtClean="0"/>
-              <a:t>6/18/2017</a:t>
+              <a:t>6/20/2017</a:t>
             </a:fld>
             <a:endParaRPr lang="en-US" dirty="0"/>
           </a:p>
@@ -6869,7 +7000,7 @@
           <a:p>
             <a:fld id="{A577DDFB-6230-47DD-A85B-37D2EACC9190}" type="datetime1">
               <a:rPr lang="en-US" smtClean="0"/>
-              <a:t>6/18/2017</a:t>
+              <a:t>6/20/2017</a:t>
             </a:fld>
             <a:endParaRPr lang="en-US" dirty="0"/>
           </a:p>
@@ -7162,7 +7293,7 @@
           <a:p>
             <a:fld id="{2B8D96F3-E057-44EC-A27B-147D5375136F}" type="datetime1">
               <a:rPr lang="en-US" smtClean="0"/>
-              <a:t>6/18/2017</a:t>
+              <a:t>6/20/2017</a:t>
             </a:fld>
             <a:endParaRPr lang="en-US" dirty="0"/>
           </a:p>
@@ -7510,7 +7641,7 @@
           <a:p>
             <a:fld id="{3B0CD986-6E78-461B-AAAB-63689DE06B9A}" type="datetime1">
               <a:rPr lang="en-US" smtClean="0"/>
-              <a:t>6/18/2017</a:t>
+              <a:t>6/20/2017</a:t>
             </a:fld>
             <a:endParaRPr lang="en-US" dirty="0"/>
           </a:p>
@@ -7928,7 +8059,7 @@
           <a:p>
             <a:fld id="{F9C152E4-7E95-4969-AE12-0027B787C29E}" type="datetime1">
               <a:rPr lang="en-US" smtClean="0"/>
-              <a:t>6/18/2017</a:t>
+              <a:t>6/20/2017</a:t>
             </a:fld>
             <a:endParaRPr lang="en-US" dirty="0"/>
           </a:p>
@@ -8333,7 +8464,7 @@
           <a:p>
             <a:fld id="{14047F13-CBC3-4E8D-93E0-C6FE965CDC79}" type="datetime1">
               <a:rPr lang="en-US" smtClean="0"/>
-              <a:t>6/18/2017</a:t>
+              <a:t>6/20/2017</a:t>
             </a:fld>
             <a:endParaRPr lang="en-US" dirty="0"/>
           </a:p>
@@ -8868,7 +8999,7 @@
           <a:p>
             <a:fld id="{0ECF14C9-EC7C-4B1C-8907-A65A32687719}" type="datetime1">
               <a:rPr lang="en-US" smtClean="0"/>
-              <a:t>6/18/2017</a:t>
+              <a:t>6/20/2017</a:t>
             </a:fld>
             <a:endParaRPr lang="en-US" dirty="0"/>
           </a:p>
@@ -9154,7 +9285,7 @@
           <a:p>
             <a:fld id="{F31A4C61-F7A1-4B07-B52E-F4939E802EBD}" type="datetime1">
               <a:rPr lang="en-US" smtClean="0"/>
-              <a:t>6/18/2017</a:t>
+              <a:t>6/20/2017</a:t>
             </a:fld>
             <a:endParaRPr lang="en-US" dirty="0"/>
           </a:p>
@@ -9346,7 +9477,7 @@
           <a:p>
             <a:fld id="{9965AA2D-E76D-431C-8946-C7AFCAD86EFE}" type="datetime1">
               <a:rPr lang="en-US" smtClean="0"/>
-              <a:t>6/18/2017</a:t>
+              <a:t>6/20/2017</a:t>
             </a:fld>
             <a:endParaRPr lang="en-US" dirty="0"/>
           </a:p>
@@ -9765,7 +9896,7 @@
           <a:p>
             <a:fld id="{7E203FD5-09CD-4B2F-84CA-04FA4F11B25D}" type="datetime1">
               <a:rPr lang="en-US" smtClean="0"/>
-              <a:t>6/18/2017</a:t>
+              <a:t>6/20/2017</a:t>
             </a:fld>
             <a:endParaRPr lang="en-US" dirty="0"/>
           </a:p>
@@ -10203,7 +10334,7 @@
           <a:p>
             <a:fld id="{1773A0E2-9746-4D44-B8ED-7E37A0C1EE42}" type="datetime1">
               <a:rPr lang="en-US" smtClean="0"/>
-              <a:t>6/18/2017</a:t>
+              <a:t>6/20/2017</a:t>
             </a:fld>
             <a:endParaRPr lang="en-US" dirty="0"/>
           </a:p>
@@ -10476,7 +10607,7 @@
           <a:p>
             <a:fld id="{94BEB706-5711-4963-A8D0-A5FEB8934D6F}" type="datetime1">
               <a:rPr lang="en-US" smtClean="0"/>
-              <a:t>6/18/2017</a:t>
+              <a:t>6/20/2017</a:t>
             </a:fld>
             <a:endParaRPr lang="en-US" dirty="0"/>
           </a:p>
@@ -11113,7 +11244,6 @@
               <a:rPr lang="en-US" dirty="0"/>
               <a:t>20</a:t>
             </a:r>
-            <a:endParaRPr lang="en-US" dirty="0"/>
           </a:p>
         </p:txBody>
       </p:sp>
@@ -11224,7 +11354,6 @@
               <a:rPr lang="en-US" dirty="0"/>
               <a:t>/20</a:t>
             </a:r>
-            <a:endParaRPr lang="en-US" dirty="0"/>
           </a:p>
         </p:txBody>
       </p:sp>
@@ -11281,20 +11410,21 @@
           <a:lstStyle/>
           <a:p>
             <a:r>
-              <a:rPr lang="de-DE" dirty="0"/>
-              <a:t>Versionskontrolle</a:t>
-            </a:r>
-          </a:p>
-        </p:txBody>
-      </p:sp>
-      <p:sp>
-        <p:nvSpPr>
-          <p:cNvPr id="3" name="Inhaltsplatzhalter 2"/>
-          <p:cNvSpPr>
-            <a:spLocks noGrp="1"/>
-          </p:cNvSpPr>
-          <p:nvPr>
-            <p:ph idx="1"/>
+              <a:rPr lang="de-DE" dirty="0" smtClean="0"/>
+              <a:t>Klassendiagramm</a:t>
+            </a:r>
+            <a:endParaRPr lang="de-DE" dirty="0"/>
+          </a:p>
+        </p:txBody>
+      </p:sp>
+      <p:sp>
+        <p:nvSpPr>
+          <p:cNvPr id="4" name="Foliennummernplatzhalter 3"/>
+          <p:cNvSpPr>
+            <a:spLocks noGrp="1"/>
+          </p:cNvSpPr>
+          <p:nvPr>
+            <p:ph type="sldNum" sz="quarter" idx="12"/>
           </p:nvPr>
         </p:nvSpPr>
         <p:spPr/>
@@ -11302,110 +11432,74 @@
           <a:bodyPr/>
           <a:lstStyle/>
           <a:p>
-            <a:pPr marL="0" indent="0">
-              <a:buNone/>
-            </a:pPr>
-            <a:r>
-              <a:rPr lang="de-DE" dirty="0" err="1"/>
-              <a:t>Git</a:t>
-            </a:r>
-            <a:endParaRPr lang="de-DE" dirty="0"/>
-          </a:p>
-          <a:p>
-            <a:endParaRPr lang="de-DE" dirty="0"/>
-          </a:p>
-          <a:p>
-            <a:pPr lvl="1"/>
-            <a:r>
-              <a:rPr lang="de-DE" dirty="0"/>
-              <a:t>Mehrere </a:t>
-            </a:r>
-            <a:r>
-              <a:rPr lang="de-DE" dirty="0" err="1"/>
-              <a:t>Branches</a:t>
-            </a:r>
-            <a:r>
-              <a:rPr lang="de-DE" dirty="0"/>
-              <a:t>. Lauffähige Version / </a:t>
-            </a:r>
-            <a:r>
-              <a:rPr lang="de-DE" dirty="0" err="1"/>
-              <a:t>Entwicklerbranch</a:t>
-            </a:r>
-            <a:r>
-              <a:rPr lang="de-DE" dirty="0"/>
-              <a:t>.</a:t>
-            </a:r>
-          </a:p>
-          <a:p>
-            <a:pPr lvl="1"/>
-            <a:endParaRPr lang="de-DE" dirty="0"/>
-          </a:p>
-          <a:p>
-            <a:pPr lvl="1"/>
-            <a:r>
-              <a:rPr lang="de-DE" dirty="0"/>
-              <a:t>Transparenz für Kunden.</a:t>
-            </a:r>
-          </a:p>
-          <a:p>
-            <a:pPr lvl="1"/>
-            <a:endParaRPr lang="de-DE" dirty="0"/>
-          </a:p>
-          <a:p>
-            <a:pPr lvl="1"/>
-            <a:r>
-              <a:rPr lang="de-DE" dirty="0"/>
-              <a:t>Optimierte Zusammenarbeit.</a:t>
-            </a:r>
-          </a:p>
-        </p:txBody>
-      </p:sp>
-      <p:sp>
-        <p:nvSpPr>
-          <p:cNvPr id="4" name="Foliennummernplatzhalter 3"/>
-          <p:cNvSpPr>
-            <a:spLocks noGrp="1"/>
-          </p:cNvSpPr>
-          <p:nvPr>
-            <p:ph type="sldNum" sz="quarter" idx="12"/>
-          </p:nvPr>
-        </p:nvSpPr>
-        <p:spPr/>
-        <p:txBody>
-          <a:bodyPr/>
-          <a:lstStyle/>
-          <a:p>
             <a:fld id="{D57F1E4F-1CFF-5643-939E-217C01CDF565}" type="slidenum">
-              <a:rPr lang="en-US" sz="2800" smtClean="0"/>
+              <a:rPr lang="en-US" smtClean="0"/>
               <a:pPr/>
               <a:t>12</a:t>
             </a:fld>
             <a:r>
+              <a:rPr lang="en-US" dirty="0" smtClean="0"/>
+              <a:t>/</a:t>
+            </a:r>
+            <a:r>
               <a:rPr lang="en-US" dirty="0"/>
-              <a:t>/20</a:t>
-            </a:r>
-            <a:endParaRPr lang="en-US" sz="2800" dirty="0"/>
-          </a:p>
-        </p:txBody>
-      </p:sp>
+              <a:t>20</a:t>
+            </a:r>
+            <a:endParaRPr lang="en-US" dirty="0" smtClean="0"/>
+          </a:p>
+        </p:txBody>
+      </p:sp>
+      <p:pic>
+        <p:nvPicPr>
+          <p:cNvPr id="4099" name="Picture 3" descr="C:\Users\Edeka\AppData\Roaming\Skype\sascha.hug1\media_messaging\media_cache_v3\^940F47564AC03A9F664C643077684C14339F74E2C7AF3F0F16^pimgpsh_fullsize_distr.png"/>
+          <p:cNvPicPr>
+            <a:picLocks noChangeAspect="1" noChangeArrowheads="1"/>
+          </p:cNvPicPr>
+          <p:nvPr/>
+        </p:nvPicPr>
+        <p:blipFill>
+          <a:blip r:embed="rId3">
+            <a:extLst>
+              <a:ext uri="{28A0092B-C50C-407E-A947-70E740481C1C}">
+                <a14:useLocalDpi xmlns:a14="http://schemas.microsoft.com/office/drawing/2010/main" val="0"/>
+              </a:ext>
+            </a:extLst>
+          </a:blip>
+          <a:srcRect/>
+          <a:stretch>
+            <a:fillRect/>
+          </a:stretch>
+        </p:blipFill>
+        <p:spPr bwMode="auto">
+          <a:xfrm>
+            <a:off x="1127342" y="1874728"/>
+            <a:ext cx="9301489" cy="4920641"/>
+          </a:xfrm>
+          <a:prstGeom prst="rect">
+            <a:avLst/>
+          </a:prstGeom>
+          <a:noFill/>
+          <a:extLst>
+            <a:ext uri="{909E8E84-426E-40DD-AFC4-6F175D3DCCD1}">
+              <a14:hiddenFill xmlns:a14="http://schemas.microsoft.com/office/drawing/2010/main">
+                <a:solidFill>
+                  <a:srgbClr val="FFFFFF"/>
+                </a:solidFill>
+              </a14:hiddenFill>
+            </a:ext>
+          </a:extLst>
+        </p:spPr>
+      </p:pic>
     </p:spTree>
     <p:extLst>
       <p:ext uri="{BB962C8B-B14F-4D97-AF65-F5344CB8AC3E}">
-        <p14:creationId xmlns:p14="http://schemas.microsoft.com/office/powerpoint/2010/main" val="69674477"/>
+        <p14:creationId xmlns:p14="http://schemas.microsoft.com/office/powerpoint/2010/main" val="3841738968"/>
       </p:ext>
     </p:extLst>
   </p:cSld>
   <p:clrMapOvr>
     <a:masterClrMapping/>
   </p:clrMapOvr>
-  <p:timing>
-    <p:tnLst>
-      <p:par>
-        <p:cTn id="1" dur="indefinite" restart="never" nodeType="tmRoot"/>
-      </p:par>
-    </p:tnLst>
-  </p:timing>
 </p:sld>
 </file>
 
@@ -11443,7 +11537,7 @@
           <a:p>
             <a:r>
               <a:rPr lang="de-DE" dirty="0"/>
-              <a:t>Langzeitplanung</a:t>
+              <a:t>Versionskontrolle</a:t>
             </a:r>
           </a:p>
         </p:txBody>
@@ -11460,35 +11554,15 @@
         </p:nvSpPr>
         <p:spPr/>
         <p:txBody>
-          <a:bodyPr>
-            <a:normAutofit/>
-          </a:bodyPr>
+          <a:bodyPr/>
           <a:lstStyle/>
           <a:p>
             <a:pPr marL="0" indent="0">
               <a:buNone/>
             </a:pPr>
             <a:r>
-              <a:rPr lang="de-DE" dirty="0" smtClean="0"/>
-              <a:t>Mittels </a:t>
-            </a:r>
-            <a:r>
-              <a:rPr lang="de-DE" dirty="0" err="1" smtClean="0"/>
-              <a:t>Function</a:t>
-            </a:r>
-            <a:r>
-              <a:rPr lang="de-DE" dirty="0" smtClean="0"/>
-              <a:t> Points</a:t>
-            </a:r>
-            <a:endParaRPr lang="de-DE" dirty="0" smtClean="0"/>
-          </a:p>
-          <a:p>
-            <a:endParaRPr lang="de-DE" dirty="0" smtClean="0"/>
-          </a:p>
-          <a:p>
-            <a:r>
-              <a:rPr lang="de-DE" dirty="0" smtClean="0"/>
-              <a:t>Kostenschätzung.</a:t>
+              <a:rPr lang="de-DE" dirty="0" err="1"/>
+              <a:t>Git</a:t>
             </a:r>
             <a:endParaRPr lang="de-DE" dirty="0"/>
           </a:p>
@@ -11496,34 +11570,49 @@
             <a:endParaRPr lang="de-DE" dirty="0"/>
           </a:p>
           <a:p>
+            <a:pPr lvl="1"/>
             <a:r>
               <a:rPr lang="de-DE" dirty="0"/>
-              <a:t>Vergleich der Schätzung</a:t>
-            </a:r>
-          </a:p>
-          <a:p>
-            <a:pPr marL="0" indent="0">
-              <a:buNone/>
-            </a:pPr>
+              <a:t>Mehrere </a:t>
+            </a:r>
+            <a:r>
+              <a:rPr lang="de-DE" dirty="0" err="1"/>
+              <a:t>Branches</a:t>
+            </a:r>
             <a:r>
               <a:rPr lang="de-DE" dirty="0"/>
-              <a:t>   mit tatsächlicher </a:t>
-            </a:r>
-            <a:r>
-              <a:rPr lang="de-DE" dirty="0" smtClean="0"/>
-              <a:t>Zeit.</a:t>
-            </a:r>
-            <a:endParaRPr lang="de-DE" dirty="0"/>
-          </a:p>
-          <a:p>
-            <a:pPr marL="0" indent="0">
-              <a:buNone/>
-            </a:pPr>
-            <a:endParaRPr lang="de-DE" dirty="0"/>
+              <a:t>. Lauffähige Version / </a:t>
+            </a:r>
+            <a:r>
+              <a:rPr lang="de-DE" dirty="0" err="1"/>
+              <a:t>Entwicklerbranch</a:t>
+            </a:r>
+            <a:r>
+              <a:rPr lang="de-DE" dirty="0"/>
+              <a:t>.</a:t>
+            </a:r>
           </a:p>
           <a:p>
             <a:pPr lvl="1"/>
             <a:endParaRPr lang="de-DE" dirty="0"/>
+          </a:p>
+          <a:p>
+            <a:pPr lvl="1"/>
+            <a:r>
+              <a:rPr lang="de-DE" dirty="0"/>
+              <a:t>Transparenz für Kunden.</a:t>
+            </a:r>
+          </a:p>
+          <a:p>
+            <a:pPr lvl="1"/>
+            <a:endParaRPr lang="de-DE" dirty="0"/>
+          </a:p>
+          <a:p>
+            <a:pPr lvl="1"/>
+            <a:r>
+              <a:rPr lang="de-DE" dirty="0"/>
+              <a:t>Optimierte Zusammenarbeit.</a:t>
+            </a:r>
           </a:p>
         </p:txBody>
       </p:sp>
@@ -11555,64 +11644,10 @@
           </a:p>
         </p:txBody>
       </p:sp>
-      <p:pic>
-        <p:nvPicPr>
-          <p:cNvPr id="5" name="Picture 2"/>
-          <p:cNvPicPr>
-            <a:picLocks noChangeAspect="1" noChangeArrowheads="1"/>
-          </p:cNvPicPr>
-          <p:nvPr/>
-        </p:nvPicPr>
-        <p:blipFill>
-          <a:blip r:embed="rId3">
-            <a:extLst>
-              <a:ext uri="{28A0092B-C50C-407E-A947-70E740481C1C}">
-                <a14:useLocalDpi xmlns:a14="http://schemas.microsoft.com/office/drawing/2010/main" val="0"/>
-              </a:ext>
-            </a:extLst>
-          </a:blip>
-          <a:srcRect/>
-          <a:stretch>
-            <a:fillRect/>
-          </a:stretch>
-        </p:blipFill>
-        <p:spPr bwMode="auto">
-          <a:xfrm>
-            <a:off x="4773400" y="2123930"/>
-            <a:ext cx="7218184" cy="4489471"/>
-          </a:xfrm>
-          <a:prstGeom prst="rect">
-            <a:avLst/>
-          </a:prstGeom>
-          <a:noFill/>
-          <a:ln>
-            <a:noFill/>
-          </a:ln>
-          <a:extLst>
-            <a:ext uri="{909E8E84-426E-40DD-AFC4-6F175D3DCCD1}">
-              <a14:hiddenFill xmlns:a14="http://schemas.microsoft.com/office/drawing/2010/main">
-                <a:solidFill>
-                  <a:schemeClr val="accent1"/>
-                </a:solidFill>
-              </a14:hiddenFill>
-            </a:ext>
-            <a:ext uri="{91240B29-F687-4F45-9708-019B960494DF}">
-              <a14:hiddenLine xmlns:a14="http://schemas.microsoft.com/office/drawing/2010/main" w="9525">
-                <a:solidFill>
-                  <a:schemeClr val="tx1"/>
-                </a:solidFill>
-                <a:miter lim="800000"/>
-                <a:headEnd/>
-                <a:tailEnd/>
-              </a14:hiddenLine>
-            </a:ext>
-          </a:extLst>
-        </p:spPr>
-      </p:pic>
     </p:spTree>
     <p:extLst>
       <p:ext uri="{BB962C8B-B14F-4D97-AF65-F5344CB8AC3E}">
-        <p14:creationId xmlns:p14="http://schemas.microsoft.com/office/powerpoint/2010/main" val="729807908"/>
+        <p14:creationId xmlns:p14="http://schemas.microsoft.com/office/powerpoint/2010/main" val="69674477"/>
       </p:ext>
     </p:extLst>
   </p:cSld>
@@ -11662,11 +11697,88 @@
           <a:lstStyle/>
           <a:p>
             <a:r>
+              <a:rPr lang="de-DE" dirty="0"/>
+              <a:t>Langzeitplanung</a:t>
+            </a:r>
+          </a:p>
+        </p:txBody>
+      </p:sp>
+      <p:sp>
+        <p:nvSpPr>
+          <p:cNvPr id="3" name="Inhaltsplatzhalter 2"/>
+          <p:cNvSpPr>
+            <a:spLocks noGrp="1"/>
+          </p:cNvSpPr>
+          <p:nvPr>
+            <p:ph idx="1"/>
+          </p:nvPr>
+        </p:nvSpPr>
+        <p:spPr/>
+        <p:txBody>
+          <a:bodyPr>
+            <a:normAutofit/>
+          </a:bodyPr>
+          <a:lstStyle/>
+          <a:p>
+            <a:pPr marL="0" indent="0">
+              <a:buNone/>
+            </a:pPr>
+            <a:r>
               <a:rPr lang="de-DE" dirty="0" smtClean="0"/>
-              <a:t>Klassendiagramm</a:t>
+              <a:t>Mittels </a:t>
+            </a:r>
+            <a:r>
+              <a:rPr lang="de-DE" dirty="0" err="1" smtClean="0"/>
+              <a:t>Function</a:t>
+            </a:r>
+            <a:r>
+              <a:rPr lang="de-DE" dirty="0" smtClean="0"/>
+              <a:t> Points</a:t>
+            </a:r>
+          </a:p>
+          <a:p>
+            <a:endParaRPr lang="de-DE" dirty="0" smtClean="0"/>
+          </a:p>
+          <a:p>
+            <a:r>
+              <a:rPr lang="de-DE" dirty="0" smtClean="0"/>
+              <a:t>Kostenschätzung.</a:t>
             </a:r>
             <a:endParaRPr lang="de-DE" dirty="0"/>
           </a:p>
+          <a:p>
+            <a:endParaRPr lang="de-DE" dirty="0"/>
+          </a:p>
+          <a:p>
+            <a:r>
+              <a:rPr lang="de-DE" dirty="0"/>
+              <a:t>Vergleich der Schätzung</a:t>
+            </a:r>
+          </a:p>
+          <a:p>
+            <a:pPr marL="0" indent="0">
+              <a:buNone/>
+            </a:pPr>
+            <a:r>
+              <a:rPr lang="de-DE" dirty="0"/>
+              <a:t>   mit tatsächlicher </a:t>
+            </a:r>
+            <a:r>
+              <a:rPr lang="de-DE" dirty="0" smtClean="0"/>
+              <a:t>Zeit.</a:t>
+            </a:r>
+            <a:endParaRPr lang="de-DE" dirty="0"/>
+          </a:p>
+          <a:p>
+            <a:pPr marL="0" indent="0">
+              <a:buNone/>
+            </a:pPr>
+            <a:endParaRPr lang="de-DE" dirty="0"/>
+          </a:p>
+          <a:p>
+            <a:pPr lvl="1"/>
+            <a:endParaRPr lang="de-DE" dirty="0"/>
+          </a:p>
         </p:txBody>
       </p:sp>
       <p:sp>
@@ -11685,25 +11797,21 @@
           <a:lstStyle/>
           <a:p>
             <a:fld id="{D57F1E4F-1CFF-5643-939E-217C01CDF565}" type="slidenum">
-              <a:rPr lang="en-US" smtClean="0"/>
+              <a:rPr lang="en-US" sz="2800" smtClean="0"/>
               <a:pPr/>
               <a:t>14</a:t>
             </a:fld>
             <a:r>
-              <a:rPr lang="en-US" dirty="0" smtClean="0"/>
-              <a:t>/</a:t>
-            </a:r>
-            <a:r>
               <a:rPr lang="en-US" dirty="0"/>
-              <a:t>20</a:t>
-            </a:r>
-            <a:endParaRPr lang="en-US" dirty="0" smtClean="0"/>
+              <a:t>/20</a:t>
+            </a:r>
+            <a:endParaRPr lang="en-US" sz="2800" dirty="0"/>
           </a:p>
         </p:txBody>
       </p:sp>
       <p:pic>
         <p:nvPicPr>
-          <p:cNvPr id="4099" name="Picture 3" descr="C:\Users\Edeka\AppData\Roaming\Skype\sascha.hug1\media_messaging\media_cache_v3\^940F47564AC03A9F664C643077684C14339F74E2C7AF3F0F16^pimgpsh_fullsize_distr.png"/>
+          <p:cNvPr id="5" name="Picture 2"/>
           <p:cNvPicPr>
             <a:picLocks noChangeAspect="1" noChangeArrowheads="1"/>
           </p:cNvPicPr>
@@ -11724,20 +11832,33 @@
         </p:blipFill>
         <p:spPr bwMode="auto">
           <a:xfrm>
-            <a:off x="1127342" y="1874728"/>
-            <a:ext cx="9301489" cy="4920641"/>
+            <a:off x="4773400" y="2123930"/>
+            <a:ext cx="7218184" cy="4489471"/>
           </a:xfrm>
           <a:prstGeom prst="rect">
             <a:avLst/>
           </a:prstGeom>
           <a:noFill/>
+          <a:ln>
+            <a:noFill/>
+          </a:ln>
           <a:extLst>
             <a:ext uri="{909E8E84-426E-40DD-AFC4-6F175D3DCCD1}">
               <a14:hiddenFill xmlns:a14="http://schemas.microsoft.com/office/drawing/2010/main">
                 <a:solidFill>
-                  <a:srgbClr val="FFFFFF"/>
+                  <a:schemeClr val="accent1"/>
                 </a:solidFill>
               </a14:hiddenFill>
+            </a:ext>
+            <a:ext uri="{91240B29-F687-4F45-9708-019B960494DF}">
+              <a14:hiddenLine xmlns:a14="http://schemas.microsoft.com/office/drawing/2010/main" w="9525">
+                <a:solidFill>
+                  <a:schemeClr val="tx1"/>
+                </a:solidFill>
+                <a:miter lim="800000"/>
+                <a:headEnd/>
+                <a:tailEnd/>
+              </a14:hiddenLine>
             </a:ext>
           </a:extLst>
         </p:spPr>
@@ -11745,13 +11866,20 @@
     </p:spTree>
     <p:extLst>
       <p:ext uri="{BB962C8B-B14F-4D97-AF65-F5344CB8AC3E}">
-        <p14:creationId xmlns:p14="http://schemas.microsoft.com/office/powerpoint/2010/main" val="3841738968"/>
+        <p14:creationId xmlns:p14="http://schemas.microsoft.com/office/powerpoint/2010/main" val="729807908"/>
       </p:ext>
     </p:extLst>
   </p:cSld>
   <p:clrMapOvr>
     <a:masterClrMapping/>
   </p:clrMapOvr>
+  <p:timing>
+    <p:tnLst>
+      <p:par>
+        <p:cTn id="1" dur="indefinite" restart="never" nodeType="tmRoot"/>
+      </p:par>
+    </p:tnLst>
+  </p:timing>
 </p:sld>
 </file>
 
@@ -13014,7 +13142,6 @@
               <a:rPr lang="en-US" dirty="0"/>
               <a:t>/20</a:t>
             </a:r>
-            <a:endParaRPr lang="en-US" dirty="0"/>
           </a:p>
         </p:txBody>
       </p:sp>
@@ -13207,7 +13334,6 @@
               <a:rPr lang="en-US" dirty="0"/>
               <a:t>/20</a:t>
             </a:r>
-            <a:endParaRPr lang="en-US" dirty="0"/>
           </a:p>
         </p:txBody>
       </p:sp>
@@ -13800,7 +13926,6 @@
               <a:rPr lang="de-DE" sz="1600" dirty="0"/>
               <a:t>Beim ersten Start der App wird der Nutzer durch die App geführt</a:t>
             </a:r>
-            <a:endParaRPr lang="de-DE" sz="1600" dirty="0"/>
           </a:p>
         </p:txBody>
       </p:sp>
@@ -13828,7 +13953,6 @@
               <a:rPr lang="en-US" dirty="0"/>
               <a:t>/20</a:t>
             </a:r>
-            <a:endParaRPr lang="en-US" dirty="0"/>
           </a:p>
         </p:txBody>
       </p:sp>
@@ -13921,7 +14045,6 @@
               <a:rPr lang="de-DE" sz="1600" dirty="0"/>
               <a:t>Der Nutzer kann bestätigen, ob das aufgenommene Bild benutzt werden soll</a:t>
             </a:r>
-            <a:endParaRPr lang="de-DE" sz="1600" dirty="0"/>
           </a:p>
         </p:txBody>
       </p:sp>
@@ -14008,7 +14131,6 @@
               <a:rPr lang="en-US" dirty="0"/>
               <a:t>/20</a:t>
             </a:r>
-            <a:endParaRPr lang="en-US" dirty="0"/>
           </a:p>
         </p:txBody>
       </p:sp>
@@ -14177,7 +14299,6 @@
               <a:rPr lang="en-US" dirty="0"/>
               <a:t>/20</a:t>
             </a:r>
-            <a:endParaRPr lang="en-US" dirty="0"/>
           </a:p>
         </p:txBody>
       </p:sp>
